--- a/teaching/cs513-autocps-fall-2020/lecture11-SensingPerception.pptx
+++ b/teaching/cs513-autocps-fall-2020/lecture11-SensingPerception.pptx
@@ -69,11 +69,11 @@
     <p:sldId id="399" r:id="rId57"/>
     <p:sldId id="400" r:id="rId58"/>
     <p:sldId id="401" r:id="rId59"/>
-    <p:sldId id="360" r:id="rId60"/>
-    <p:sldId id="391" r:id="rId61"/>
-    <p:sldId id="392" r:id="rId62"/>
-    <p:sldId id="393" r:id="rId63"/>
-    <p:sldId id="394" r:id="rId64"/>
+    <p:sldId id="391" r:id="rId60"/>
+    <p:sldId id="392" r:id="rId61"/>
+    <p:sldId id="393" r:id="rId62"/>
+    <p:sldId id="394" r:id="rId63"/>
+    <p:sldId id="360" r:id="rId64"/>
     <p:sldId id="364" r:id="rId65"/>
   </p:sldIdLst>
   <p:sldSz cx="12192000" cy="6858000"/>
@@ -1176,7 +1176,7 @@
           <p:nvPr userDrawn="1"/>
         </p:nvPicPr>
         <mc:AlternateContent xmlns:mc="http://schemas.openxmlformats.org/markup-compatibility/2006">
-          <mc:Choice xmlns="" xmlns:mv="urn:schemas-microsoft-com:mac:vml" xmlns:ma="http://schemas.microsoft.com/office/mac/drawingml/2008/main" Requires="ma">
+          <mc:Choice xmlns:ma="http://schemas.microsoft.com/office/mac/drawingml/2008/main" xmlns:mv="urn:schemas-microsoft-com:mac:vml" xmlns="" Requires="ma">
             <p:blipFill>
               <a:blip r:embed="rId3"/>
               <a:stretch>
@@ -3066,7 +3066,7 @@
         </p:nvSpPr>
         <p:spPr>
           <a:xfrm>
-            <a:off x="10503844" y="5891816"/>
+            <a:off x="10567344" y="5839303"/>
             <a:ext cx="1576842" cy="369332"/>
           </a:xfrm>
           <a:prstGeom prst="rect">
@@ -4132,8 +4132,8 @@
           <a:chExt cx="0" cy="0"/>
         </a:xfrm>
       </p:grpSpPr>
-      <mc:AlternateContent xmlns:mc="http://schemas.openxmlformats.org/markup-compatibility/2006" xmlns:a14="http://schemas.microsoft.com/office/drawing/2010/main">
-        <mc:Choice Requires="a14">
+      <mc:AlternateContent xmlns:mc="http://schemas.openxmlformats.org/markup-compatibility/2006">
+        <mc:Choice xmlns:a14="http://schemas.microsoft.com/office/drawing/2010/main" Requires="a14">
           <p:sp>
             <p:nvSpPr>
               <p:cNvPr id="2" name="Content Placeholder 1">
@@ -4830,6 +4830,29 @@
                       </a:rPr>
                       <m:t>𝐴</m:t>
                     </m:r>
+                    <m:d>
+                      <m:dPr>
+                        <m:ctrlPr>
+                          <a:rPr lang="en-US" b="0" i="1" smtClean="0">
+                            <a:latin typeface="Cambria Math" panose="02040503050406030204" pitchFamily="18" charset="0"/>
+                          </a:rPr>
+                        </m:ctrlPr>
+                      </m:dPr>
+                      <m:e>
+                        <m:r>
+                          <a:rPr lang="en-US" b="0" i="1" smtClean="0">
+                            <a:latin typeface="Cambria Math" panose="02040503050406030204" pitchFamily="18" charset="0"/>
+                          </a:rPr>
+                          <m:t>𝑡</m:t>
+                        </m:r>
+                      </m:e>
+                    </m:d>
+                    <m:r>
+                      <a:rPr lang="en-US" b="0" i="1" smtClean="0">
+                        <a:latin typeface="Cambria Math" panose="02040503050406030204" pitchFamily="18" charset="0"/>
+                      </a:rPr>
+                      <m:t>𝐶</m:t>
+                    </m:r>
                     <m:r>
                       <a:rPr lang="en-US" b="0" i="1" smtClean="0">
                         <a:latin typeface="Cambria Math" panose="02040503050406030204" pitchFamily="18" charset="0"/>
@@ -4947,7 +4970,7 @@
             </p:txBody>
           </p:sp>
         </mc:Choice>
-        <mc:Fallback xmlns="">
+        <mc:Fallback>
           <p:sp>
             <p:nvSpPr>
               <p:cNvPr id="2" name="Content Placeholder 1">
@@ -4968,7 +4991,7 @@
               <a:blipFill>
                 <a:blip r:embed="rId2"/>
                 <a:stretch>
-                  <a:fillRect l="-625" t="-2104" r="-521" b="-3226"/>
+                  <a:fillRect l="-625" t="-2104" r="-521" b="-4067"/>
                 </a:stretch>
               </a:blipFill>
             </p:spPr>
@@ -8915,8 +8938,8 @@
           <a:chExt cx="0" cy="0"/>
         </a:xfrm>
       </p:grpSpPr>
-      <mc:AlternateContent xmlns:mc="http://schemas.openxmlformats.org/markup-compatibility/2006" xmlns:a14="http://schemas.microsoft.com/office/drawing/2010/main">
-        <mc:Choice Requires="a14">
+      <mc:AlternateContent xmlns:mc="http://schemas.openxmlformats.org/markup-compatibility/2006">
+        <mc:Choice xmlns:a14="http://schemas.microsoft.com/office/drawing/2010/main" Requires="a14">
           <p:sp>
             <p:nvSpPr>
               <p:cNvPr id="2" name="Content Placeholder 1">
@@ -9001,7 +9024,7 @@
                 </a14:m>
                 <a:r>
                   <a:rPr lang="en-US" dirty="0"/>
-                  <a:t> points (say the values is </a:t>
+                  <a:t> points (say the value is </a:t>
                 </a:r>
                 <a14:m>
                   <m:oMath xmlns:m="http://schemas.openxmlformats.org/officeDocument/2006/math">
@@ -9302,7 +9325,7 @@
             </p:txBody>
           </p:sp>
         </mc:Choice>
-        <mc:Fallback xmlns="">
+        <mc:Fallback>
           <p:sp>
             <p:nvSpPr>
               <p:cNvPr id="2" name="Content Placeholder 1">
@@ -9327,7 +9350,7 @@
               <a:blipFill>
                 <a:blip r:embed="rId2"/>
                 <a:stretch>
-                  <a:fillRect l="-1042" t="-2180" b="-272"/>
+                  <a:fillRect l="-1042" t="-2180" r="-1251" b="-272"/>
                 </a:stretch>
               </a:blipFill>
             </p:spPr>
@@ -20250,7 +20273,7 @@
             <a:pPr lvl="1"/>
             <a:r>
               <a:rPr lang="en-US" dirty="0"/>
-              <a:t>Limiting region of interest</a:t>
+              <a:t>Limit region of interest</a:t>
             </a:r>
           </a:p>
           <a:p>
@@ -25675,7 +25698,7 @@
           <a:p>
             <a:r>
               <a:rPr lang="en-US" dirty="0"/>
-              <a:t>Spare interaction:</a:t>
+              <a:t>Sparse interaction:</a:t>
             </a:r>
           </a:p>
           <a:p>
@@ -28329,7 +28352,7 @@
             </a:r>
             <a:r>
               <a:rPr lang="en-US" dirty="0"/>
-              <a:t> 17b uses Faster R-CNN for object detection: you could use this or R-CNN in Homework 3</a:t>
+              <a:t> 17b uses Faster R-CNN for object detection</a:t>
             </a:r>
           </a:p>
         </p:txBody>
@@ -28597,7 +28620,7 @@
           <p:cNvPr id="2" name="Content Placeholder 1">
             <a:extLst>
               <a:ext uri="{FF2B5EF4-FFF2-40B4-BE49-F238E27FC236}">
-                <a16:creationId xmlns:a16="http://schemas.microsoft.com/office/drawing/2014/main" id="{443B31DB-0053-4ACA-AB07-FAA5BE56F4D4}"/>
+                <a16:creationId xmlns:a16="http://schemas.microsoft.com/office/drawing/2014/main" id="{E4E89F4D-8BB5-4355-AB0C-9DB56D0987DA}"/>
               </a:ext>
             </a:extLst>
           </p:cNvPr>
@@ -28610,111 +28633,42 @@
         </p:nvSpPr>
         <p:spPr/>
         <p:txBody>
-          <a:bodyPr>
-            <a:normAutofit/>
-          </a:bodyPr>
+          <a:bodyPr/>
           <a:lstStyle/>
           <a:p>
-            <a:pPr marL="0" indent="0">
-              <a:buNone/>
-            </a:pPr>
-            <a:r>
-              <a:rPr lang="en-US" sz="2000" dirty="0"/>
-              <a:t>[1] Understanding CNNs: </a:t>
-            </a:r>
-            <a:r>
-              <a:rPr lang="en-US" sz="2000" dirty="0">
-                <a:hlinkClick r:id="rId2"/>
-              </a:rPr>
-              <a:t>https://adeshpande3.github.io/A-Beginner%27s-Guide-To-Understanding-Convolutional-Neural-Networks/</a:t>
-            </a:r>
-            <a:endParaRPr lang="en-US" sz="2000" dirty="0"/>
-          </a:p>
-          <a:p>
-            <a:pPr marL="0" indent="0">
-              <a:buNone/>
-            </a:pPr>
-            <a:r>
-              <a:rPr lang="en-US" sz="2000" dirty="0"/>
-              <a:t>[2] I. </a:t>
-            </a:r>
-            <a:r>
-              <a:rPr lang="en-US" sz="2000" dirty="0" err="1"/>
-              <a:t>Goodfellow</a:t>
-            </a:r>
-            <a:r>
-              <a:rPr lang="en-US" sz="2000" dirty="0"/>
-              <a:t>, Y. </a:t>
-            </a:r>
-            <a:r>
-              <a:rPr lang="en-US" sz="2000" dirty="0" err="1"/>
-              <a:t>Bengio</a:t>
-            </a:r>
-            <a:r>
-              <a:rPr lang="en-US" sz="2000" dirty="0"/>
-              <a:t>, A. </a:t>
-            </a:r>
-            <a:r>
-              <a:rPr lang="en-US" sz="2000" dirty="0" err="1"/>
-              <a:t>Courville</a:t>
-            </a:r>
-            <a:r>
-              <a:rPr lang="en-US" sz="2000" dirty="0"/>
-              <a:t>, Deep Learning, MIT Press.</a:t>
-            </a:r>
-          </a:p>
-          <a:p>
-            <a:pPr marL="0" indent="0">
-              <a:buNone/>
-            </a:pPr>
-            <a:r>
-              <a:rPr lang="en-US" sz="2000" dirty="0"/>
-              <a:t>[3] https://towardsdatascience.com/deep-learning-for-object-detection-a-comprehensive-review-73930816d8d9</a:t>
-            </a:r>
-          </a:p>
-          <a:p>
-            <a:pPr marL="0" indent="0">
-              <a:buNone/>
-            </a:pPr>
-            <a:r>
-              <a:rPr lang="en-US" sz="2000" dirty="0"/>
-              <a:t>[4] </a:t>
-            </a:r>
-            <a:r>
-              <a:rPr lang="en-US" sz="2000" dirty="0">
-                <a:hlinkClick r:id="rId3"/>
-              </a:rPr>
-              <a:t>https://towardsdatascience.com/yolo-you-only-look-once-real-time-object-detection-explained-492dc9230006</a:t>
-            </a:r>
-            <a:endParaRPr lang="en-US" sz="2000" dirty="0"/>
-          </a:p>
-          <a:p>
-            <a:pPr marL="0" indent="0">
-              <a:buNone/>
-            </a:pPr>
-            <a:r>
-              <a:rPr lang="en-US" sz="2000" dirty="0"/>
-              <a:t>[5] </a:t>
-            </a:r>
-            <a:r>
-              <a:rPr lang="en-US" sz="2000" dirty="0">
-                <a:hlinkClick r:id="rId4"/>
-              </a:rPr>
-              <a:t>https://pjreddie.com/darknet/yolo/</a:t>
-            </a:r>
-            <a:endParaRPr lang="en-US" sz="2000" dirty="0"/>
-          </a:p>
-          <a:p>
-            <a:pPr marL="0" indent="0">
-              <a:buNone/>
-            </a:pPr>
-            <a:r>
-              <a:rPr lang="en-US" sz="2000" dirty="0"/>
-              <a:t>[6] YOLO algorithm: https://arxiv.org/abs/1506.02640</a:t>
-            </a:r>
-          </a:p>
-          <a:p>
-            <a:endParaRPr lang="en-US" sz="2000" dirty="0"/>
+            <a:r>
+              <a:rPr lang="en-US" dirty="0"/>
+              <a:t>Most common approach is to use vehicle odometry + GPS + Kalman filter</a:t>
+            </a:r>
+          </a:p>
+          <a:p>
+            <a:r>
+              <a:rPr lang="en-US" dirty="0"/>
+              <a:t>This becomes unreliable in urban environments, tunnels, tall buildings etc. where GPS signal quality is poor</a:t>
+            </a:r>
+          </a:p>
+          <a:p>
+            <a:r>
+              <a:rPr lang="en-US" dirty="0"/>
+              <a:t>Map-aided localization:</a:t>
+            </a:r>
+          </a:p>
+          <a:p>
+            <a:pPr lvl="1"/>
+            <a:r>
+              <a:rPr lang="en-US" dirty="0"/>
+              <a:t>Use local features to achieve precise localization</a:t>
+            </a:r>
+          </a:p>
+          <a:p>
+            <a:pPr lvl="1"/>
+            <a:r>
+              <a:rPr lang="en-US" dirty="0"/>
+              <a:t>SLAM (simultaneous localization and mapping): most popular approach</a:t>
+            </a:r>
+          </a:p>
+          <a:p>
+            <a:endParaRPr lang="en-US" dirty="0"/>
           </a:p>
         </p:txBody>
       </p:sp>
@@ -28723,7 +28677,7 @@
           <p:cNvPr id="3" name="Title 2">
             <a:extLst>
               <a:ext uri="{FF2B5EF4-FFF2-40B4-BE49-F238E27FC236}">
-                <a16:creationId xmlns:a16="http://schemas.microsoft.com/office/drawing/2014/main" id="{13374E1B-00F2-4169-9F7C-626F4E5E3162}"/>
+                <a16:creationId xmlns:a16="http://schemas.microsoft.com/office/drawing/2014/main" id="{1BF8A393-F21C-4689-B67D-CB9E17116BB1}"/>
               </a:ext>
             </a:extLst>
           </p:cNvPr>
@@ -28741,7 +28695,7 @@
           <a:p>
             <a:r>
               <a:rPr lang="en-US" dirty="0"/>
-              <a:t>References</a:t>
+              <a:t>Localization</a:t>
             </a:r>
           </a:p>
         </p:txBody>
@@ -28751,7 +28705,7 @@
           <p:cNvPr id="4" name="Slide Number Placeholder 3">
             <a:extLst>
               <a:ext uri="{FF2B5EF4-FFF2-40B4-BE49-F238E27FC236}">
-                <a16:creationId xmlns:a16="http://schemas.microsoft.com/office/drawing/2014/main" id="{38F04E8A-17D2-42D9-B301-4FED92AA8752}"/>
+                <a16:creationId xmlns:a16="http://schemas.microsoft.com/office/drawing/2014/main" id="{14D18727-E399-4CD0-9615-5AD53868DA24}"/>
               </a:ext>
             </a:extLst>
           </p:cNvPr>
@@ -28779,7 +28733,7 @@
     </p:spTree>
     <p:extLst>
       <p:ext uri="{BB962C8B-B14F-4D97-AF65-F5344CB8AC3E}">
-        <p14:creationId xmlns:p14="http://schemas.microsoft.com/office/powerpoint/2010/main" val="2258268650"/>
+        <p14:creationId xmlns:p14="http://schemas.microsoft.com/office/powerpoint/2010/main" val="169076259"/>
       </p:ext>
     </p:extLst>
   </p:cSld>
@@ -29393,152 +29347,7 @@
 </file>
 
 <file path=ppt/slides/slide60.xml><?xml version="1.0" encoding="utf-8"?>
-<p:sld xmlns:a="http://schemas.openxmlformats.org/drawingml/2006/main" xmlns:r="http://schemas.openxmlformats.org/officeDocument/2006/relationships" xmlns:p="http://schemas.openxmlformats.org/presentationml/2006/main" show="0">
-  <p:cSld>
-    <p:spTree>
-      <p:nvGrpSpPr>
-        <p:cNvPr id="1" name=""/>
-        <p:cNvGrpSpPr/>
-        <p:nvPr/>
-      </p:nvGrpSpPr>
-      <p:grpSpPr>
-        <a:xfrm>
-          <a:off x="0" y="0"/>
-          <a:ext cx="0" cy="0"/>
-          <a:chOff x="0" y="0"/>
-          <a:chExt cx="0" cy="0"/>
-        </a:xfrm>
-      </p:grpSpPr>
-      <p:sp>
-        <p:nvSpPr>
-          <p:cNvPr id="2" name="Content Placeholder 1">
-            <a:extLst>
-              <a:ext uri="{FF2B5EF4-FFF2-40B4-BE49-F238E27FC236}">
-                <a16:creationId xmlns:a16="http://schemas.microsoft.com/office/drawing/2014/main" id="{E4E89F4D-8BB5-4355-AB0C-9DB56D0987DA}"/>
-              </a:ext>
-            </a:extLst>
-          </p:cNvPr>
-          <p:cNvSpPr>
-            <a:spLocks noGrp="1"/>
-          </p:cNvSpPr>
-          <p:nvPr>
-            <p:ph idx="1"/>
-          </p:nvPr>
-        </p:nvSpPr>
-        <p:spPr/>
-        <p:txBody>
-          <a:bodyPr/>
-          <a:lstStyle/>
-          <a:p>
-            <a:r>
-              <a:rPr lang="en-US" dirty="0"/>
-              <a:t>Most common approach is to use vehicle odometry + GPS + Kalman filter</a:t>
-            </a:r>
-          </a:p>
-          <a:p>
-            <a:r>
-              <a:rPr lang="en-US" dirty="0"/>
-              <a:t>This becomes unreliable in urban environments, tunnels, tall buildings etc. where GPS signal quality is poor</a:t>
-            </a:r>
-          </a:p>
-          <a:p>
-            <a:r>
-              <a:rPr lang="en-US" dirty="0"/>
-              <a:t>Map-aided localization:</a:t>
-            </a:r>
-          </a:p>
-          <a:p>
-            <a:pPr lvl="1"/>
-            <a:r>
-              <a:rPr lang="en-US" dirty="0"/>
-              <a:t>Use local features to achieve precise localization</a:t>
-            </a:r>
-          </a:p>
-          <a:p>
-            <a:pPr lvl="1"/>
-            <a:r>
-              <a:rPr lang="en-US" dirty="0"/>
-              <a:t>SLAM (simultaneous localization and mapping): most popular approach</a:t>
-            </a:r>
-          </a:p>
-          <a:p>
-            <a:endParaRPr lang="en-US" dirty="0"/>
-          </a:p>
-        </p:txBody>
-      </p:sp>
-      <p:sp>
-        <p:nvSpPr>
-          <p:cNvPr id="3" name="Title 2">
-            <a:extLst>
-              <a:ext uri="{FF2B5EF4-FFF2-40B4-BE49-F238E27FC236}">
-                <a16:creationId xmlns:a16="http://schemas.microsoft.com/office/drawing/2014/main" id="{1BF8A393-F21C-4689-B67D-CB9E17116BB1}"/>
-              </a:ext>
-            </a:extLst>
-          </p:cNvPr>
-          <p:cNvSpPr>
-            <a:spLocks noGrp="1"/>
-          </p:cNvSpPr>
-          <p:nvPr>
-            <p:ph type="title"/>
-          </p:nvPr>
-        </p:nvSpPr>
-        <p:spPr/>
-        <p:txBody>
-          <a:bodyPr/>
-          <a:lstStyle/>
-          <a:p>
-            <a:r>
-              <a:rPr lang="en-US" dirty="0"/>
-              <a:t>Localization</a:t>
-            </a:r>
-          </a:p>
-        </p:txBody>
-      </p:sp>
-      <p:sp>
-        <p:nvSpPr>
-          <p:cNvPr id="4" name="Slide Number Placeholder 3">
-            <a:extLst>
-              <a:ext uri="{FF2B5EF4-FFF2-40B4-BE49-F238E27FC236}">
-                <a16:creationId xmlns:a16="http://schemas.microsoft.com/office/drawing/2014/main" id="{14D18727-E399-4CD0-9615-5AD53868DA24}"/>
-              </a:ext>
-            </a:extLst>
-          </p:cNvPr>
-          <p:cNvSpPr>
-            <a:spLocks noGrp="1"/>
-          </p:cNvSpPr>
-          <p:nvPr>
-            <p:ph type="sldNum" sz="quarter" idx="12"/>
-          </p:nvPr>
-        </p:nvSpPr>
-        <p:spPr/>
-        <p:txBody>
-          <a:bodyPr/>
-          <a:lstStyle/>
-          <a:p>
-            <a:fld id="{29AAD378-655A-49C6-813C-9FD132EF7440}" type="slidenum">
-              <a:rPr lang="en-US" smtClean="0"/>
-              <a:pPr/>
-              <a:t>60</a:t>
-            </a:fld>
-            <a:endParaRPr lang="en-US" dirty="0"/>
-          </a:p>
-        </p:txBody>
-      </p:sp>
-    </p:spTree>
-    <p:extLst>
-      <p:ext uri="{BB962C8B-B14F-4D97-AF65-F5344CB8AC3E}">
-        <p14:creationId xmlns:p14="http://schemas.microsoft.com/office/powerpoint/2010/main" val="169076259"/>
-      </p:ext>
-    </p:extLst>
-  </p:cSld>
-  <p:clrMapOvr>
-    <a:masterClrMapping/>
-  </p:clrMapOvr>
-</p:sld>
-</file>
-
-<file path=ppt/slides/slide61.xml><?xml version="1.0" encoding="utf-8"?>
-<p:sld xmlns:a="http://schemas.openxmlformats.org/drawingml/2006/main" xmlns:r="http://schemas.openxmlformats.org/officeDocument/2006/relationships" xmlns:p="http://schemas.openxmlformats.org/presentationml/2006/main" show="0">
+<p:sld xmlns:a="http://schemas.openxmlformats.org/drawingml/2006/main" xmlns:r="http://schemas.openxmlformats.org/officeDocument/2006/relationships" xmlns:p="http://schemas.openxmlformats.org/presentationml/2006/main">
   <p:cSld>
     <p:spTree>
       <p:nvGrpSpPr>
@@ -29673,7 +29482,7 @@
             <a:fld id="{29AAD378-655A-49C6-813C-9FD132EF7440}" type="slidenum">
               <a:rPr lang="en-US" smtClean="0"/>
               <a:pPr/>
-              <a:t>61</a:t>
+              <a:t>60</a:t>
             </a:fld>
             <a:endParaRPr lang="en-US" dirty="0"/>
           </a:p>
@@ -29692,8 +29501,8 @@
 </p:sld>
 </file>
 
-<file path=ppt/slides/slide62.xml><?xml version="1.0" encoding="utf-8"?>
-<p:sld xmlns:a="http://schemas.openxmlformats.org/drawingml/2006/main" xmlns:r="http://schemas.openxmlformats.org/officeDocument/2006/relationships" xmlns:p="http://schemas.openxmlformats.org/presentationml/2006/main" show="0">
+<file path=ppt/slides/slide61.xml><?xml version="1.0" encoding="utf-8"?>
+<p:sld xmlns:a="http://schemas.openxmlformats.org/drawingml/2006/main" xmlns:r="http://schemas.openxmlformats.org/officeDocument/2006/relationships" xmlns:p="http://schemas.openxmlformats.org/presentationml/2006/main">
   <p:cSld>
     <p:spTree>
       <p:nvGrpSpPr>
@@ -29819,7 +29628,7 @@
             <a:fld id="{29AAD378-655A-49C6-813C-9FD132EF7440}" type="slidenum">
               <a:rPr lang="en-US" smtClean="0"/>
               <a:pPr/>
-              <a:t>62</a:t>
+              <a:t>61</a:t>
             </a:fld>
             <a:endParaRPr lang="en-US" dirty="0"/>
           </a:p>
@@ -29838,8 +29647,8 @@
 </p:sld>
 </file>
 
-<file path=ppt/slides/slide63.xml><?xml version="1.0" encoding="utf-8"?>
-<p:sld xmlns:a="http://schemas.openxmlformats.org/drawingml/2006/main" xmlns:r="http://schemas.openxmlformats.org/officeDocument/2006/relationships" xmlns:p="http://schemas.openxmlformats.org/presentationml/2006/main" show="0">
+<file path=ppt/slides/slide62.xml><?xml version="1.0" encoding="utf-8"?>
+<p:sld xmlns:a="http://schemas.openxmlformats.org/drawingml/2006/main" xmlns:r="http://schemas.openxmlformats.org/officeDocument/2006/relationships" xmlns:p="http://schemas.openxmlformats.org/presentationml/2006/main">
   <p:cSld>
     <p:spTree>
       <p:nvGrpSpPr>
@@ -30690,7 +30499,7 @@
             <a:fld id="{29AAD378-655A-49C6-813C-9FD132EF7440}" type="slidenum">
               <a:rPr lang="en-US" smtClean="0"/>
               <a:pPr/>
-              <a:t>63</a:t>
+              <a:t>62</a:t>
             </a:fld>
             <a:endParaRPr lang="en-US" dirty="0"/>
           </a:p>
@@ -30700,6 +30509,220 @@
     <p:extLst>
       <p:ext uri="{BB962C8B-B14F-4D97-AF65-F5344CB8AC3E}">
         <p14:creationId xmlns:p14="http://schemas.microsoft.com/office/powerpoint/2010/main" val="743778022"/>
+      </p:ext>
+    </p:extLst>
+  </p:cSld>
+  <p:clrMapOvr>
+    <a:masterClrMapping/>
+  </p:clrMapOvr>
+</p:sld>
+</file>
+
+<file path=ppt/slides/slide63.xml><?xml version="1.0" encoding="utf-8"?>
+<p:sld xmlns:a="http://schemas.openxmlformats.org/drawingml/2006/main" xmlns:r="http://schemas.openxmlformats.org/officeDocument/2006/relationships" xmlns:p="http://schemas.openxmlformats.org/presentationml/2006/main">
+  <p:cSld>
+    <p:spTree>
+      <p:nvGrpSpPr>
+        <p:cNvPr id="1" name=""/>
+        <p:cNvGrpSpPr/>
+        <p:nvPr/>
+      </p:nvGrpSpPr>
+      <p:grpSpPr>
+        <a:xfrm>
+          <a:off x="0" y="0"/>
+          <a:ext cx="0" cy="0"/>
+          <a:chOff x="0" y="0"/>
+          <a:chExt cx="0" cy="0"/>
+        </a:xfrm>
+      </p:grpSpPr>
+      <p:sp>
+        <p:nvSpPr>
+          <p:cNvPr id="2" name="Content Placeholder 1">
+            <a:extLst>
+              <a:ext uri="{FF2B5EF4-FFF2-40B4-BE49-F238E27FC236}">
+                <a16:creationId xmlns:a16="http://schemas.microsoft.com/office/drawing/2014/main" id="{443B31DB-0053-4ACA-AB07-FAA5BE56F4D4}"/>
+              </a:ext>
+            </a:extLst>
+          </p:cNvPr>
+          <p:cNvSpPr>
+            <a:spLocks noGrp="1"/>
+          </p:cNvSpPr>
+          <p:nvPr>
+            <p:ph idx="1"/>
+          </p:nvPr>
+        </p:nvSpPr>
+        <p:spPr/>
+        <p:txBody>
+          <a:bodyPr>
+            <a:normAutofit/>
+          </a:bodyPr>
+          <a:lstStyle/>
+          <a:p>
+            <a:pPr marL="0" indent="0">
+              <a:buNone/>
+            </a:pPr>
+            <a:r>
+              <a:rPr lang="en-US" sz="2000" dirty="0"/>
+              <a:t>[1] Understanding CNNs: </a:t>
+            </a:r>
+            <a:r>
+              <a:rPr lang="en-US" sz="2000" dirty="0">
+                <a:hlinkClick r:id="rId2"/>
+              </a:rPr>
+              <a:t>https://adeshpande3.github.io/A-Beginner%27s-Guide-To-Understanding-Convolutional-Neural-Networks/</a:t>
+            </a:r>
+            <a:endParaRPr lang="en-US" sz="2000" dirty="0"/>
+          </a:p>
+          <a:p>
+            <a:pPr marL="0" indent="0">
+              <a:buNone/>
+            </a:pPr>
+            <a:r>
+              <a:rPr lang="en-US" sz="2000" dirty="0"/>
+              <a:t>[2] I. </a:t>
+            </a:r>
+            <a:r>
+              <a:rPr lang="en-US" sz="2000" dirty="0" err="1"/>
+              <a:t>Goodfellow</a:t>
+            </a:r>
+            <a:r>
+              <a:rPr lang="en-US" sz="2000" dirty="0"/>
+              <a:t>, Y. </a:t>
+            </a:r>
+            <a:r>
+              <a:rPr lang="en-US" sz="2000" dirty="0" err="1"/>
+              <a:t>Bengio</a:t>
+            </a:r>
+            <a:r>
+              <a:rPr lang="en-US" sz="2000" dirty="0"/>
+              <a:t>, A. </a:t>
+            </a:r>
+            <a:r>
+              <a:rPr lang="en-US" sz="2000" dirty="0" err="1"/>
+              <a:t>Courville</a:t>
+            </a:r>
+            <a:r>
+              <a:rPr lang="en-US" sz="2000" dirty="0"/>
+              <a:t>, Deep Learning, MIT Press.</a:t>
+            </a:r>
+          </a:p>
+          <a:p>
+            <a:pPr marL="0" indent="0">
+              <a:buNone/>
+            </a:pPr>
+            <a:r>
+              <a:rPr lang="en-US" sz="2000" dirty="0"/>
+              <a:t>[3] https://towardsdatascience.com/deep-learning-for-object-detection-a-comprehensive-review-73930816d8d9</a:t>
+            </a:r>
+          </a:p>
+          <a:p>
+            <a:pPr marL="0" indent="0">
+              <a:buNone/>
+            </a:pPr>
+            <a:r>
+              <a:rPr lang="en-US" sz="2000" dirty="0"/>
+              <a:t>[4] </a:t>
+            </a:r>
+            <a:r>
+              <a:rPr lang="en-US" sz="2000" dirty="0">
+                <a:hlinkClick r:id="rId3"/>
+              </a:rPr>
+              <a:t>https://towardsdatascience.com/yolo-you-only-look-once-real-time-object-detection-explained-492dc9230006</a:t>
+            </a:r>
+            <a:endParaRPr lang="en-US" sz="2000" dirty="0"/>
+          </a:p>
+          <a:p>
+            <a:pPr marL="0" indent="0">
+              <a:buNone/>
+            </a:pPr>
+            <a:r>
+              <a:rPr lang="en-US" sz="2000" dirty="0"/>
+              <a:t>[5] </a:t>
+            </a:r>
+            <a:r>
+              <a:rPr lang="en-US" sz="2000" dirty="0">
+                <a:hlinkClick r:id="rId4"/>
+              </a:rPr>
+              <a:t>https://pjreddie.com/darknet/yolo/</a:t>
+            </a:r>
+            <a:endParaRPr lang="en-US" sz="2000" dirty="0"/>
+          </a:p>
+          <a:p>
+            <a:pPr marL="0" indent="0">
+              <a:buNone/>
+            </a:pPr>
+            <a:r>
+              <a:rPr lang="en-US" sz="2000" dirty="0"/>
+              <a:t>[6] YOLO algorithm: https://arxiv.org/abs/1506.02640</a:t>
+            </a:r>
+          </a:p>
+          <a:p>
+            <a:endParaRPr lang="en-US" sz="2000" dirty="0"/>
+          </a:p>
+        </p:txBody>
+      </p:sp>
+      <p:sp>
+        <p:nvSpPr>
+          <p:cNvPr id="3" name="Title 2">
+            <a:extLst>
+              <a:ext uri="{FF2B5EF4-FFF2-40B4-BE49-F238E27FC236}">
+                <a16:creationId xmlns:a16="http://schemas.microsoft.com/office/drawing/2014/main" id="{13374E1B-00F2-4169-9F7C-626F4E5E3162}"/>
+              </a:ext>
+            </a:extLst>
+          </p:cNvPr>
+          <p:cNvSpPr>
+            <a:spLocks noGrp="1"/>
+          </p:cNvSpPr>
+          <p:nvPr>
+            <p:ph type="title"/>
+          </p:nvPr>
+        </p:nvSpPr>
+        <p:spPr/>
+        <p:txBody>
+          <a:bodyPr/>
+          <a:lstStyle/>
+          <a:p>
+            <a:r>
+              <a:rPr lang="en-US" dirty="0"/>
+              <a:t>References</a:t>
+            </a:r>
+          </a:p>
+        </p:txBody>
+      </p:sp>
+      <p:sp>
+        <p:nvSpPr>
+          <p:cNvPr id="4" name="Slide Number Placeholder 3">
+            <a:extLst>
+              <a:ext uri="{FF2B5EF4-FFF2-40B4-BE49-F238E27FC236}">
+                <a16:creationId xmlns:a16="http://schemas.microsoft.com/office/drawing/2014/main" id="{38F04E8A-17D2-42D9-B301-4FED92AA8752}"/>
+              </a:ext>
+            </a:extLst>
+          </p:cNvPr>
+          <p:cNvSpPr>
+            <a:spLocks noGrp="1"/>
+          </p:cNvSpPr>
+          <p:nvPr>
+            <p:ph type="sldNum" sz="quarter" idx="12"/>
+          </p:nvPr>
+        </p:nvSpPr>
+        <p:spPr/>
+        <p:txBody>
+          <a:bodyPr/>
+          <a:lstStyle/>
+          <a:p>
+            <a:fld id="{29AAD378-655A-49C6-813C-9FD132EF7440}" type="slidenum">
+              <a:rPr lang="en-US" smtClean="0"/>
+              <a:pPr/>
+              <a:t>63</a:t>
+            </a:fld>
+            <a:endParaRPr lang="en-US" dirty="0"/>
+          </a:p>
+        </p:txBody>
+      </p:sp>
+    </p:spTree>
+    <p:extLst>
+      <p:ext uri="{BB962C8B-B14F-4D97-AF65-F5344CB8AC3E}">
+        <p14:creationId xmlns:p14="http://schemas.microsoft.com/office/powerpoint/2010/main" val="2258268650"/>
       </p:ext>
     </p:extLst>
   </p:cSld>
